--- a/Capstone Presentation(WIP).pptx
+++ b/Capstone Presentation(WIP).pptx
@@ -18,23 +18,25 @@
     <p:sldId id="263" r:id="rId13"/>
     <p:sldId id="264" r:id="rId14"/>
     <p:sldId id="265" r:id="rId15"/>
+    <p:sldId id="266" r:id="rId16"/>
+    <p:sldId id="267" r:id="rId17"/>
   </p:sldIdLst>
   <p:sldSz cy="5143500" cx="9144000"/>
   <p:notesSz cx="6858000" cy="9144000"/>
   <p:embeddedFontLst>
     <p:embeddedFont>
       <p:font typeface="Montserrat"/>
-      <p:regular r:id="rId16"/>
-      <p:bold r:id="rId17"/>
-      <p:italic r:id="rId18"/>
-      <p:boldItalic r:id="rId19"/>
+      <p:regular r:id="rId18"/>
+      <p:bold r:id="rId19"/>
+      <p:italic r:id="rId20"/>
+      <p:boldItalic r:id="rId21"/>
     </p:embeddedFont>
     <p:embeddedFont>
       <p:font typeface="Lato"/>
-      <p:regular r:id="rId20"/>
-      <p:bold r:id="rId21"/>
-      <p:italic r:id="rId22"/>
-      <p:boldItalic r:id="rId23"/>
+      <p:regular r:id="rId22"/>
+      <p:bold r:id="rId23"/>
+      <p:italic r:id="rId24"/>
+      <p:boldItalic r:id="rId25"/>
     </p:embeddedFont>
   </p:embeddedFontLst>
   <p:defaultTextStyle>
@@ -909,6 +911,204 @@
 </p:notes>
 </file>
 
+<file path=ppt/notesSlides/notesSlide11.xml><?xml version="1.0" encoding="utf-8"?>
+<p:notes xmlns:a="http://schemas.openxmlformats.org/drawingml/2006/main" xmlns:r="http://schemas.openxmlformats.org/officeDocument/2006/relationships" xmlns:mc="http://schemas.openxmlformats.org/markup-compatibility/2006" xmlns:mv="urn:schemas-microsoft-com:mac:vml" xmlns:p="http://schemas.openxmlformats.org/presentationml/2006/main" xmlns:c="http://schemas.openxmlformats.org/drawingml/2006/chart" xmlns:dgm="http://schemas.openxmlformats.org/drawingml/2006/diagram" xmlns:o="urn:schemas-microsoft-com:office:office" xmlns:v="urn:schemas-microsoft-com:vml" xmlns:pvml="urn:schemas-microsoft-com:office:powerpoint" xmlns:com="http://schemas.openxmlformats.org/drawingml/2006/compatibility" xmlns:p14="http://schemas.microsoft.com/office/powerpoint/2010/main" xmlns:p15="http://schemas.microsoft.com/office/powerpoint/2012/main" xmlns:ahyp="http://schemas.microsoft.com/office/drawing/2018/hyperlinkcolor" showMasterPhAnim="0" showMasterSp="0">
+  <p:cSld>
+    <p:spTree>
+      <p:nvGrpSpPr>
+        <p:cNvPr id="191" name="Shape 191"/>
+        <p:cNvGrpSpPr/>
+        <p:nvPr/>
+      </p:nvGrpSpPr>
+      <p:grpSpPr>
+        <a:xfrm>
+          <a:off x="0" y="0"/>
+          <a:ext cx="0" cy="0"/>
+          <a:chOff x="0" y="0"/>
+          <a:chExt cx="0" cy="0"/>
+        </a:xfrm>
+      </p:grpSpPr>
+      <p:sp>
+        <p:nvSpPr>
+          <p:cNvPr id="192" name="Google Shape;192;ge210fe2c9f_0_21:notes"/>
+          <p:cNvSpPr/>
+          <p:nvPr>
+            <p:ph idx="2" type="sldImg"/>
+          </p:nvPr>
+        </p:nvSpPr>
+        <p:spPr>
+          <a:xfrm>
+            <a:off x="381300" y="685800"/>
+            <a:ext cx="6096000" cy="3429000"/>
+          </a:xfrm>
+          <a:custGeom>
+            <a:rect b="b" l="l" r="r" t="t"/>
+            <a:pathLst>
+              <a:path extrusionOk="0" h="120000" w="120000">
+                <a:moveTo>
+                  <a:pt x="0" y="0"/>
+                </a:moveTo>
+                <a:lnTo>
+                  <a:pt x="120000" y="0"/>
+                </a:lnTo>
+                <a:lnTo>
+                  <a:pt x="120000" y="120000"/>
+                </a:lnTo>
+                <a:lnTo>
+                  <a:pt x="0" y="120000"/>
+                </a:lnTo>
+                <a:close/>
+              </a:path>
+            </a:pathLst>
+          </a:custGeom>
+        </p:spPr>
+      </p:sp>
+      <p:sp>
+        <p:nvSpPr>
+          <p:cNvPr id="193" name="Google Shape;193;ge210fe2c9f_0_21:notes"/>
+          <p:cNvSpPr txBox="1"/>
+          <p:nvPr>
+            <p:ph idx="1" type="body"/>
+          </p:nvPr>
+        </p:nvSpPr>
+        <p:spPr>
+          <a:xfrm>
+            <a:off x="685800" y="4343400"/>
+            <a:ext cx="5486400" cy="4114800"/>
+          </a:xfrm>
+          <a:prstGeom prst="rect">
+            <a:avLst/>
+          </a:prstGeom>
+        </p:spPr>
+        <p:txBody>
+          <a:bodyPr anchorCtr="0" anchor="t" bIns="91425" lIns="91425" spcFirstLastPara="1" rIns="91425" wrap="square" tIns="91425">
+            <a:noAutofit/>
+          </a:bodyPr>
+          <a:lstStyle/>
+          <a:p>
+            <a:pPr indent="0" lvl="0" marL="0" rtl="0" algn="l">
+              <a:spcBef>
+                <a:spcPts val="0"/>
+              </a:spcBef>
+              <a:spcAft>
+                <a:spcPts val="0"/>
+              </a:spcAft>
+              <a:buNone/>
+            </a:pPr>
+            <a:r>
+              <a:t/>
+            </a:r>
+            <a:endParaRPr/>
+          </a:p>
+        </p:txBody>
+      </p:sp>
+    </p:spTree>
+  </p:cSld>
+  <p:clrMapOvr>
+    <a:masterClrMapping/>
+  </p:clrMapOvr>
+</p:notes>
+</file>
+
+<file path=ppt/notesSlides/notesSlide12.xml><?xml version="1.0" encoding="utf-8"?>
+<p:notes xmlns:a="http://schemas.openxmlformats.org/drawingml/2006/main" xmlns:r="http://schemas.openxmlformats.org/officeDocument/2006/relationships" xmlns:mc="http://schemas.openxmlformats.org/markup-compatibility/2006" xmlns:mv="urn:schemas-microsoft-com:mac:vml" xmlns:p="http://schemas.openxmlformats.org/presentationml/2006/main" xmlns:c="http://schemas.openxmlformats.org/drawingml/2006/chart" xmlns:dgm="http://schemas.openxmlformats.org/drawingml/2006/diagram" xmlns:o="urn:schemas-microsoft-com:office:office" xmlns:v="urn:schemas-microsoft-com:vml" xmlns:pvml="urn:schemas-microsoft-com:office:powerpoint" xmlns:com="http://schemas.openxmlformats.org/drawingml/2006/compatibility" xmlns:p14="http://schemas.microsoft.com/office/powerpoint/2010/main" xmlns:p15="http://schemas.microsoft.com/office/powerpoint/2012/main" xmlns:ahyp="http://schemas.microsoft.com/office/drawing/2018/hyperlinkcolor" showMasterPhAnim="0" showMasterSp="0">
+  <p:cSld>
+    <p:spTree>
+      <p:nvGrpSpPr>
+        <p:cNvPr id="198" name="Shape 198"/>
+        <p:cNvGrpSpPr/>
+        <p:nvPr/>
+      </p:nvGrpSpPr>
+      <p:grpSpPr>
+        <a:xfrm>
+          <a:off x="0" y="0"/>
+          <a:ext cx="0" cy="0"/>
+          <a:chOff x="0" y="0"/>
+          <a:chExt cx="0" cy="0"/>
+        </a:xfrm>
+      </p:grpSpPr>
+      <p:sp>
+        <p:nvSpPr>
+          <p:cNvPr id="199" name="Google Shape;199;ge210fe2c9f_0_26:notes"/>
+          <p:cNvSpPr/>
+          <p:nvPr>
+            <p:ph idx="2" type="sldImg"/>
+          </p:nvPr>
+        </p:nvSpPr>
+        <p:spPr>
+          <a:xfrm>
+            <a:off x="381300" y="685800"/>
+            <a:ext cx="6096000" cy="3429000"/>
+          </a:xfrm>
+          <a:custGeom>
+            <a:rect b="b" l="l" r="r" t="t"/>
+            <a:pathLst>
+              <a:path extrusionOk="0" h="120000" w="120000">
+                <a:moveTo>
+                  <a:pt x="0" y="0"/>
+                </a:moveTo>
+                <a:lnTo>
+                  <a:pt x="120000" y="0"/>
+                </a:lnTo>
+                <a:lnTo>
+                  <a:pt x="120000" y="120000"/>
+                </a:lnTo>
+                <a:lnTo>
+                  <a:pt x="0" y="120000"/>
+                </a:lnTo>
+                <a:close/>
+              </a:path>
+            </a:pathLst>
+          </a:custGeom>
+        </p:spPr>
+      </p:sp>
+      <p:sp>
+        <p:nvSpPr>
+          <p:cNvPr id="200" name="Google Shape;200;ge210fe2c9f_0_26:notes"/>
+          <p:cNvSpPr txBox="1"/>
+          <p:nvPr>
+            <p:ph idx="1" type="body"/>
+          </p:nvPr>
+        </p:nvSpPr>
+        <p:spPr>
+          <a:xfrm>
+            <a:off x="685800" y="4343400"/>
+            <a:ext cx="5486400" cy="4114800"/>
+          </a:xfrm>
+          <a:prstGeom prst="rect">
+            <a:avLst/>
+          </a:prstGeom>
+        </p:spPr>
+        <p:txBody>
+          <a:bodyPr anchorCtr="0" anchor="t" bIns="91425" lIns="91425" spcFirstLastPara="1" rIns="91425" wrap="square" tIns="91425">
+            <a:noAutofit/>
+          </a:bodyPr>
+          <a:lstStyle/>
+          <a:p>
+            <a:pPr indent="0" lvl="0" marL="0" rtl="0" algn="l">
+              <a:spcBef>
+                <a:spcPts val="0"/>
+              </a:spcBef>
+              <a:spcAft>
+                <a:spcPts val="0"/>
+              </a:spcAft>
+              <a:buNone/>
+            </a:pPr>
+            <a:r>
+              <a:t/>
+            </a:r>
+            <a:endParaRPr/>
+          </a:p>
+        </p:txBody>
+      </p:sp>
+    </p:spTree>
+  </p:cSld>
+  <p:clrMapOvr>
+    <a:masterClrMapping/>
+  </p:clrMapOvr>
+</p:notes>
+</file>
+
 <file path=ppt/notesSlides/notesSlide2.xml><?xml version="1.0" encoding="utf-8"?>
 <p:notes xmlns:a="http://schemas.openxmlformats.org/drawingml/2006/main" xmlns:r="http://schemas.openxmlformats.org/officeDocument/2006/relationships" xmlns:mc="http://schemas.openxmlformats.org/markup-compatibility/2006" xmlns:mv="urn:schemas-microsoft-com:mac:vml" xmlns:p="http://schemas.openxmlformats.org/presentationml/2006/main" xmlns:c="http://schemas.openxmlformats.org/drawingml/2006/chart" xmlns:dgm="http://schemas.openxmlformats.org/drawingml/2006/diagram" xmlns:o="urn:schemas-microsoft-com:office:office" xmlns:v="urn:schemas-microsoft-com:vml" xmlns:pvml="urn:schemas-microsoft-com:office:powerpoint" xmlns:com="http://schemas.openxmlformats.org/drawingml/2006/compatibility" xmlns:p14="http://schemas.microsoft.com/office/powerpoint/2010/main" xmlns:p15="http://schemas.microsoft.com/office/powerpoint/2012/main" xmlns:ahyp="http://schemas.microsoft.com/office/drawing/2018/hyperlinkcolor" showMasterPhAnim="0" showMasterSp="0">
   <p:cSld>
@@ -1093,7 +1293,78 @@
               <a:buNone/>
             </a:pPr>
             <a:r>
+              <a:rPr lang="en"/>
+              <a:t>On this slide, we are taking a look at Nashville’s population growth over the last decade. I have also </a:t>
+            </a:r>
+            <a:r>
+              <a:rPr lang="en"/>
+              <a:t>plotted</a:t>
+            </a:r>
+            <a:r>
+              <a:rPr lang="en"/>
+              <a:t> a couple of cities that have similar populations. The range I chose was +- 5% Nashville’s population in 2020.</a:t>
+            </a:r>
+            <a:endParaRPr/>
+          </a:p>
+          <a:p>
+            <a:pPr indent="0" lvl="0" marL="0" rtl="0" algn="l">
+              <a:spcBef>
+                <a:spcPts val="0"/>
+              </a:spcBef>
+              <a:spcAft>
+                <a:spcPts val="0"/>
+              </a:spcAft>
+              <a:buNone/>
+            </a:pPr>
+            <a:r>
               <a:t/>
+            </a:r>
+            <a:endParaRPr/>
+          </a:p>
+          <a:p>
+            <a:pPr indent="0" lvl="0" marL="0" rtl="0" algn="l">
+              <a:spcBef>
+                <a:spcPts val="0"/>
+              </a:spcBef>
+              <a:spcAft>
+                <a:spcPts val="0"/>
+              </a:spcAft>
+              <a:buNone/>
+            </a:pPr>
+            <a:r>
+              <a:rPr lang="en"/>
+              <a:t>This range was arbitrarily chosen but it gave me a good number of neighboring cities. </a:t>
+            </a:r>
+            <a:endParaRPr/>
+          </a:p>
+          <a:p>
+            <a:pPr indent="0" lvl="0" marL="0" rtl="0" algn="l">
+              <a:spcBef>
+                <a:spcPts val="0"/>
+              </a:spcBef>
+              <a:spcAft>
+                <a:spcPts val="0"/>
+              </a:spcAft>
+              <a:buNone/>
+            </a:pPr>
+            <a:r>
+              <a:t/>
+            </a:r>
+            <a:endParaRPr/>
+          </a:p>
+          <a:p>
+            <a:pPr indent="0" lvl="0" marL="0" rtl="0" algn="l">
+              <a:spcBef>
+                <a:spcPts val="0"/>
+              </a:spcBef>
+              <a:spcAft>
+                <a:spcPts val="0"/>
+              </a:spcAft>
+              <a:buNone/>
+            </a:pPr>
+            <a:r>
+              <a:rPr lang="en"/>
+              <a:t>One thing to note is some of the trajectories of these cities. While the majority are on an upward trend, cities such as Detroit and Memphis are going in the opposite direction.</a:t>
             </a:r>
             <a:endParaRPr/>
           </a:p>
@@ -10082,6 +10353,270 @@
 </p:sld>
 </file>
 
+<file path=ppt/slides/slide11.xml><?xml version="1.0" encoding="utf-8"?>
+<p:sld xmlns:a="http://schemas.openxmlformats.org/drawingml/2006/main" xmlns:r="http://schemas.openxmlformats.org/officeDocument/2006/relationships" xmlns:mc="http://schemas.openxmlformats.org/markup-compatibility/2006" xmlns:mv="urn:schemas-microsoft-com:mac:vml" xmlns:p="http://schemas.openxmlformats.org/presentationml/2006/main" xmlns:c="http://schemas.openxmlformats.org/drawingml/2006/chart" xmlns:dgm="http://schemas.openxmlformats.org/drawingml/2006/diagram" xmlns:o="urn:schemas-microsoft-com:office:office" xmlns:v="urn:schemas-microsoft-com:vml" xmlns:pvml="urn:schemas-microsoft-com:office:powerpoint" xmlns:com="http://schemas.openxmlformats.org/drawingml/2006/compatibility" xmlns:p14="http://schemas.microsoft.com/office/powerpoint/2010/main" xmlns:p15="http://schemas.microsoft.com/office/powerpoint/2012/main" xmlns:ahyp="http://schemas.microsoft.com/office/drawing/2018/hyperlinkcolor">
+  <p:cSld>
+    <p:spTree>
+      <p:nvGrpSpPr>
+        <p:cNvPr id="194" name="Shape 194"/>
+        <p:cNvGrpSpPr/>
+        <p:nvPr/>
+      </p:nvGrpSpPr>
+      <p:grpSpPr>
+        <a:xfrm>
+          <a:off x="0" y="0"/>
+          <a:ext cx="0" cy="0"/>
+          <a:chOff x="0" y="0"/>
+          <a:chExt cx="0" cy="0"/>
+        </a:xfrm>
+      </p:grpSpPr>
+      <p:sp>
+        <p:nvSpPr>
+          <p:cNvPr id="195" name="Google Shape;195;p23"/>
+          <p:cNvSpPr txBox="1"/>
+          <p:nvPr>
+            <p:ph type="title"/>
+          </p:nvPr>
+        </p:nvSpPr>
+        <p:spPr>
+          <a:xfrm>
+            <a:off x="960725" y="189650"/>
+            <a:ext cx="7038900" cy="914100"/>
+          </a:xfrm>
+          <a:prstGeom prst="rect">
+            <a:avLst/>
+          </a:prstGeom>
+        </p:spPr>
+        <p:txBody>
+          <a:bodyPr anchorCtr="0" anchor="t" bIns="91425" lIns="91425" spcFirstLastPara="1" rIns="91425" wrap="square" tIns="91425">
+            <a:normAutofit/>
+          </a:bodyPr>
+          <a:lstStyle/>
+          <a:p>
+            <a:pPr indent="0" lvl="0" marL="0" rtl="0" algn="l">
+              <a:spcBef>
+                <a:spcPts val="0"/>
+              </a:spcBef>
+              <a:spcAft>
+                <a:spcPts val="0"/>
+              </a:spcAft>
+              <a:buNone/>
+            </a:pPr>
+            <a:r>
+              <a:rPr lang="en"/>
+              <a:t>Future Ridership</a:t>
+            </a:r>
+            <a:endParaRPr/>
+          </a:p>
+        </p:txBody>
+      </p:sp>
+      <p:sp>
+        <p:nvSpPr>
+          <p:cNvPr id="196" name="Google Shape;196;p23"/>
+          <p:cNvSpPr txBox="1"/>
+          <p:nvPr>
+            <p:ph idx="1" type="body"/>
+          </p:nvPr>
+        </p:nvSpPr>
+        <p:spPr>
+          <a:xfrm>
+            <a:off x="1297500" y="1567550"/>
+            <a:ext cx="7038900" cy="2911200"/>
+          </a:xfrm>
+          <a:prstGeom prst="rect">
+            <a:avLst/>
+          </a:prstGeom>
+        </p:spPr>
+        <p:txBody>
+          <a:bodyPr anchorCtr="0" anchor="t" bIns="91425" lIns="91425" spcFirstLastPara="1" rIns="91425" wrap="square" tIns="91425">
+            <a:normAutofit/>
+          </a:bodyPr>
+          <a:lstStyle/>
+          <a:p>
+            <a:pPr indent="0" lvl="0" marL="0" rtl="0" algn="l">
+              <a:spcBef>
+                <a:spcPts val="0"/>
+              </a:spcBef>
+              <a:spcAft>
+                <a:spcPts val="1200"/>
+              </a:spcAft>
+              <a:buNone/>
+            </a:pPr>
+            <a:r>
+              <a:t/>
+            </a:r>
+            <a:endParaRPr/>
+          </a:p>
+        </p:txBody>
+      </p:sp>
+      <p:pic>
+        <p:nvPicPr>
+          <p:cNvPr id="197" name="Google Shape;197;p23"/>
+          <p:cNvPicPr preferRelativeResize="0"/>
+          <p:nvPr/>
+        </p:nvPicPr>
+        <p:blipFill>
+          <a:blip r:embed="rId3">
+            <a:alphaModFix/>
+          </a:blip>
+          <a:stretch>
+            <a:fillRect/>
+          </a:stretch>
+        </p:blipFill>
+        <p:spPr>
+          <a:xfrm>
+            <a:off x="117388" y="852325"/>
+            <a:ext cx="8909220" cy="4219750"/>
+          </a:xfrm>
+          <a:prstGeom prst="rect">
+            <a:avLst/>
+          </a:prstGeom>
+          <a:noFill/>
+          <a:ln>
+            <a:noFill/>
+          </a:ln>
+        </p:spPr>
+      </p:pic>
+    </p:spTree>
+  </p:cSld>
+  <p:clrMapOvr>
+    <a:masterClrMapping/>
+  </p:clrMapOvr>
+</p:sld>
+</file>
+
+<file path=ppt/slides/slide12.xml><?xml version="1.0" encoding="utf-8"?>
+<p:sld xmlns:a="http://schemas.openxmlformats.org/drawingml/2006/main" xmlns:r="http://schemas.openxmlformats.org/officeDocument/2006/relationships" xmlns:mc="http://schemas.openxmlformats.org/markup-compatibility/2006" xmlns:mv="urn:schemas-microsoft-com:mac:vml" xmlns:p="http://schemas.openxmlformats.org/presentationml/2006/main" xmlns:c="http://schemas.openxmlformats.org/drawingml/2006/chart" xmlns:dgm="http://schemas.openxmlformats.org/drawingml/2006/diagram" xmlns:o="urn:schemas-microsoft-com:office:office" xmlns:v="urn:schemas-microsoft-com:vml" xmlns:pvml="urn:schemas-microsoft-com:office:powerpoint" xmlns:com="http://schemas.openxmlformats.org/drawingml/2006/compatibility" xmlns:p14="http://schemas.microsoft.com/office/powerpoint/2010/main" xmlns:p15="http://schemas.microsoft.com/office/powerpoint/2012/main" xmlns:ahyp="http://schemas.microsoft.com/office/drawing/2018/hyperlinkcolor">
+  <p:cSld>
+    <p:spTree>
+      <p:nvGrpSpPr>
+        <p:cNvPr id="201" name="Shape 201"/>
+        <p:cNvGrpSpPr/>
+        <p:nvPr/>
+      </p:nvGrpSpPr>
+      <p:grpSpPr>
+        <a:xfrm>
+          <a:off x="0" y="0"/>
+          <a:ext cx="0" cy="0"/>
+          <a:chOff x="0" y="0"/>
+          <a:chExt cx="0" cy="0"/>
+        </a:xfrm>
+      </p:grpSpPr>
+      <p:sp>
+        <p:nvSpPr>
+          <p:cNvPr id="202" name="Google Shape;202;p24"/>
+          <p:cNvSpPr txBox="1"/>
+          <p:nvPr>
+            <p:ph type="title"/>
+          </p:nvPr>
+        </p:nvSpPr>
+        <p:spPr>
+          <a:xfrm>
+            <a:off x="960725" y="159025"/>
+            <a:ext cx="7038900" cy="914100"/>
+          </a:xfrm>
+          <a:prstGeom prst="rect">
+            <a:avLst/>
+          </a:prstGeom>
+        </p:spPr>
+        <p:txBody>
+          <a:bodyPr anchorCtr="0" anchor="t" bIns="91425" lIns="91425" spcFirstLastPara="1" rIns="91425" wrap="square" tIns="91425">
+            <a:normAutofit/>
+          </a:bodyPr>
+          <a:lstStyle/>
+          <a:p>
+            <a:pPr indent="0" lvl="0" marL="0" rtl="0" algn="l">
+              <a:spcBef>
+                <a:spcPts val="0"/>
+              </a:spcBef>
+              <a:spcAft>
+                <a:spcPts val="0"/>
+              </a:spcAft>
+              <a:buNone/>
+            </a:pPr>
+            <a:r>
+              <a:rPr lang="en"/>
+              <a:t>Future Revenue and Expenses</a:t>
+            </a:r>
+            <a:endParaRPr/>
+          </a:p>
+        </p:txBody>
+      </p:sp>
+      <p:sp>
+        <p:nvSpPr>
+          <p:cNvPr id="203" name="Google Shape;203;p24"/>
+          <p:cNvSpPr txBox="1"/>
+          <p:nvPr>
+            <p:ph idx="1" type="body"/>
+          </p:nvPr>
+        </p:nvSpPr>
+        <p:spPr>
+          <a:xfrm>
+            <a:off x="1297500" y="1567550"/>
+            <a:ext cx="7038900" cy="2911200"/>
+          </a:xfrm>
+          <a:prstGeom prst="rect">
+            <a:avLst/>
+          </a:prstGeom>
+        </p:spPr>
+        <p:txBody>
+          <a:bodyPr anchorCtr="0" anchor="t" bIns="91425" lIns="91425" spcFirstLastPara="1" rIns="91425" wrap="square" tIns="91425">
+            <a:normAutofit/>
+          </a:bodyPr>
+          <a:lstStyle/>
+          <a:p>
+            <a:pPr indent="0" lvl="0" marL="0" rtl="0" algn="l">
+              <a:spcBef>
+                <a:spcPts val="0"/>
+              </a:spcBef>
+              <a:spcAft>
+                <a:spcPts val="1200"/>
+              </a:spcAft>
+              <a:buNone/>
+            </a:pPr>
+            <a:r>
+              <a:t/>
+            </a:r>
+            <a:endParaRPr/>
+          </a:p>
+        </p:txBody>
+      </p:sp>
+      <p:pic>
+        <p:nvPicPr>
+          <p:cNvPr id="204" name="Google Shape;204;p24"/>
+          <p:cNvPicPr preferRelativeResize="0"/>
+          <p:nvPr/>
+        </p:nvPicPr>
+        <p:blipFill>
+          <a:blip r:embed="rId3">
+            <a:alphaModFix/>
+          </a:blip>
+          <a:stretch>
+            <a:fillRect/>
+          </a:stretch>
+        </p:blipFill>
+        <p:spPr>
+          <a:xfrm>
+            <a:off x="91837" y="906425"/>
+            <a:ext cx="8960325" cy="4190500"/>
+          </a:xfrm>
+          <a:prstGeom prst="rect">
+            <a:avLst/>
+          </a:prstGeom>
+          <a:noFill/>
+          <a:ln>
+            <a:noFill/>
+          </a:ln>
+        </p:spPr>
+      </p:pic>
+    </p:spTree>
+  </p:cSld>
+  <p:clrMapOvr>
+    <a:masterClrMapping/>
+  </p:clrMapOvr>
+</p:sld>
+</file>
+
 <file path=ppt/slides/slide2.xml><?xml version="1.0" encoding="utf-8"?>
 <p:sld xmlns:a="http://schemas.openxmlformats.org/drawingml/2006/main" xmlns:r="http://schemas.openxmlformats.org/officeDocument/2006/relationships" xmlns:mc="http://schemas.openxmlformats.org/markup-compatibility/2006" xmlns:mv="urn:schemas-microsoft-com:mac:vml" xmlns:p="http://schemas.openxmlformats.org/presentationml/2006/main" xmlns:c="http://schemas.openxmlformats.org/drawingml/2006/chart" xmlns:dgm="http://schemas.openxmlformats.org/drawingml/2006/diagram" xmlns:o="urn:schemas-microsoft-com:office:office" xmlns:v="urn:schemas-microsoft-com:vml" xmlns:pvml="urn:schemas-microsoft-com:office:powerpoint" xmlns:com="http://schemas.openxmlformats.org/drawingml/2006/compatibility" xmlns:p14="http://schemas.microsoft.com/office/powerpoint/2010/main" xmlns:p15="http://schemas.microsoft.com/office/powerpoint/2012/main" xmlns:ahyp="http://schemas.microsoft.com/office/drawing/2018/hyperlinkcolor">
   <p:cSld>
@@ -11040,6 +11575,285 @@
 </file>
 
 <file path=ppt/theme/theme1.xml><?xml version="1.0" encoding="utf-8"?>
+<a:theme xmlns:a="http://schemas.openxmlformats.org/drawingml/2006/main" xmlns:r="http://schemas.openxmlformats.org/officeDocument/2006/relationships">
+  <a:themeElements>
+    <a:clrScheme name="Default">
+      <a:dk1>
+        <a:srgbClr val="000000"/>
+      </a:dk1>
+      <a:lt1>
+        <a:srgbClr val="FFFFFF"/>
+      </a:lt1>
+      <a:dk2>
+        <a:srgbClr val="158158"/>
+      </a:dk2>
+      <a:lt2>
+        <a:srgbClr val="F3F3F3"/>
+      </a:lt2>
+      <a:accent1>
+        <a:srgbClr val="058DC7"/>
+      </a:accent1>
+      <a:accent2>
+        <a:srgbClr val="50B432"/>
+      </a:accent2>
+      <a:accent3>
+        <a:srgbClr val="ED561B"/>
+      </a:accent3>
+      <a:accent4>
+        <a:srgbClr val="EDEF00"/>
+      </a:accent4>
+      <a:accent5>
+        <a:srgbClr val="24CBE5"/>
+      </a:accent5>
+      <a:accent6>
+        <a:srgbClr val="64E572"/>
+      </a:accent6>
+      <a:hlink>
+        <a:srgbClr val="2200CC"/>
+      </a:hlink>
+      <a:folHlink>
+        <a:srgbClr val="551A8B"/>
+      </a:folHlink>
+    </a:clrScheme>
+    <a:fontScheme name="Office">
+      <a:majorFont>
+        <a:latin typeface="Arial"/>
+        <a:ea typeface=""/>
+        <a:cs typeface=""/>
+        <a:font script="Jpan" typeface="ＭＳ Ｐゴシック"/>
+        <a:font script="Hang" typeface="맑은 고딕"/>
+        <a:font script="Hans" typeface="宋体"/>
+        <a:font script="Hant" typeface="新細明體"/>
+        <a:font script="Arab" typeface="Times New Roman"/>
+        <a:font script="Hebr" typeface="Times New Roman"/>
+        <a:font script="Thai" typeface="Angsana New"/>
+        <a:font script="Ethi" typeface="Nyala"/>
+        <a:font script="Beng" typeface="Vrinda"/>
+        <a:font script="Gujr" typeface="Shruti"/>
+        <a:font script="Khmr" typeface="MoolBoran"/>
+        <a:font script="Knda" typeface="Tunga"/>
+        <a:font script="Guru" typeface="Raavi"/>
+        <a:font script="Cans" typeface="Euphemia"/>
+        <a:font script="Cher" typeface="Plantagenet Cherokee"/>
+        <a:font script="Yiii" typeface="Microsoft Yi Baiti"/>
+        <a:font script="Tibt" typeface="Microsoft Himalaya"/>
+        <a:font script="Thaa" typeface="MV Boli"/>
+        <a:font script="Deva" typeface="Mangal"/>
+        <a:font script="Telu" typeface="Gautami"/>
+        <a:font script="Taml" typeface="Latha"/>
+        <a:font script="Syrc" typeface="Estrangelo Edessa"/>
+        <a:font script="Orya" typeface="Kalinga"/>
+        <a:font script="Mlym" typeface="Kartika"/>
+        <a:font script="Laoo" typeface="DokChampa"/>
+        <a:font script="Sinh" typeface="Iskoola Pota"/>
+        <a:font script="Mong" typeface="Mongolian Baiti"/>
+        <a:font script="Viet" typeface="Times New Roman"/>
+        <a:font script="Uigh" typeface="Microsoft Uighur"/>
+        <a:font script="Geor" typeface="Sylfaen"/>
+      </a:majorFont>
+      <a:minorFont>
+        <a:latin typeface="Arial"/>
+        <a:ea typeface=""/>
+        <a:cs typeface=""/>
+        <a:font script="Jpan" typeface="ＭＳ Ｐゴシック"/>
+        <a:font script="Hang" typeface="맑은 고딕"/>
+        <a:font script="Hans" typeface="宋体"/>
+        <a:font script="Hant" typeface="新細明體"/>
+        <a:font script="Arab" typeface="Arial"/>
+        <a:font script="Hebr" typeface="Arial"/>
+        <a:font script="Thai" typeface="Cordia New"/>
+        <a:font script="Ethi" typeface="Nyala"/>
+        <a:font script="Beng" typeface="Vrinda"/>
+        <a:font script="Gujr" typeface="Shruti"/>
+        <a:font script="Khmr" typeface="DaunPenh"/>
+        <a:font script="Knda" typeface="Tunga"/>
+        <a:font script="Guru" typeface="Raavi"/>
+        <a:font script="Cans" typeface="Euphemia"/>
+        <a:font script="Cher" typeface="Plantagenet Cherokee"/>
+        <a:font script="Yiii" typeface="Microsoft Yi Baiti"/>
+        <a:font script="Tibt" typeface="Microsoft Himalaya"/>
+        <a:font script="Thaa" typeface="MV Boli"/>
+        <a:font script="Deva" typeface="Mangal"/>
+        <a:font script="Telu" typeface="Gautami"/>
+        <a:font script="Taml" typeface="Latha"/>
+        <a:font script="Syrc" typeface="Estrangelo Edessa"/>
+        <a:font script="Orya" typeface="Kalinga"/>
+        <a:font script="Mlym" typeface="Kartika"/>
+        <a:font script="Laoo" typeface="DokChampa"/>
+        <a:font script="Sinh" typeface="Iskoola Pota"/>
+        <a:font script="Mong" typeface="Mongolian Baiti"/>
+        <a:font script="Viet" typeface="Arial"/>
+        <a:font script="Uigh" typeface="Microsoft Uighur"/>
+        <a:font script="Geor" typeface="Sylfaen"/>
+      </a:minorFont>
+    </a:fontScheme>
+    <a:fmtScheme name="Office">
+      <a:fillStyleLst>
+        <a:solidFill>
+          <a:schemeClr val="phClr"/>
+        </a:solidFill>
+        <a:gradFill rotWithShape="1">
+          <a:gsLst>
+            <a:gs pos="0">
+              <a:schemeClr val="phClr">
+                <a:tint val="50000"/>
+                <a:satMod val="300000"/>
+              </a:schemeClr>
+            </a:gs>
+            <a:gs pos="35000">
+              <a:schemeClr val="phClr">
+                <a:tint val="37000"/>
+                <a:satMod val="300000"/>
+              </a:schemeClr>
+            </a:gs>
+            <a:gs pos="100000">
+              <a:schemeClr val="phClr">
+                <a:tint val="15000"/>
+                <a:satMod val="350000"/>
+              </a:schemeClr>
+            </a:gs>
+          </a:gsLst>
+          <a:lin ang="16200000" scaled="1"/>
+        </a:gradFill>
+        <a:gradFill rotWithShape="1">
+          <a:gsLst>
+            <a:gs pos="0">
+              <a:schemeClr val="phClr">
+                <a:tint val="100000"/>
+                <a:shade val="100000"/>
+                <a:satMod val="130000"/>
+              </a:schemeClr>
+            </a:gs>
+            <a:gs pos="100000">
+              <a:schemeClr val="phClr">
+                <a:tint val="50000"/>
+                <a:shade val="100000"/>
+                <a:satMod val="350000"/>
+              </a:schemeClr>
+            </a:gs>
+          </a:gsLst>
+          <a:lin ang="16200000" scaled="0"/>
+        </a:gradFill>
+      </a:fillStyleLst>
+      <a:lnStyleLst>
+        <a:ln w="9525" cap="flat" cmpd="sng" algn="ctr">
+          <a:solidFill>
+            <a:schemeClr val="phClr">
+              <a:shade val="95000"/>
+              <a:satMod val="105000"/>
+            </a:schemeClr>
+          </a:solidFill>
+          <a:prstDash val="solid"/>
+        </a:ln>
+        <a:ln w="25400" cap="flat" cmpd="sng" algn="ctr">
+          <a:solidFill>
+            <a:schemeClr val="phClr"/>
+          </a:solidFill>
+          <a:prstDash val="solid"/>
+        </a:ln>
+        <a:ln w="38100" cap="flat" cmpd="sng" algn="ctr">
+          <a:solidFill>
+            <a:schemeClr val="phClr"/>
+          </a:solidFill>
+          <a:prstDash val="solid"/>
+        </a:ln>
+      </a:lnStyleLst>
+      <a:effectStyleLst>
+        <a:effectStyle>
+          <a:effectLst>
+            <a:outerShdw blurRad="40000" dist="20000" dir="5400000" rotWithShape="0">
+              <a:srgbClr val="000000">
+                <a:alpha val="38000"/>
+              </a:srgbClr>
+            </a:outerShdw>
+          </a:effectLst>
+        </a:effectStyle>
+        <a:effectStyle>
+          <a:effectLst>
+            <a:outerShdw blurRad="40000" dist="23000" dir="5400000" rotWithShape="0">
+              <a:srgbClr val="000000">
+                <a:alpha val="35000"/>
+              </a:srgbClr>
+            </a:outerShdw>
+          </a:effectLst>
+        </a:effectStyle>
+        <a:effectStyle>
+          <a:effectLst>
+            <a:outerShdw blurRad="40000" dist="23000" dir="5400000" rotWithShape="0">
+              <a:srgbClr val="000000">
+                <a:alpha val="35000"/>
+              </a:srgbClr>
+            </a:outerShdw>
+          </a:effectLst>
+          <a:scene3d>
+            <a:camera prst="orthographicFront">
+              <a:rot lat="0" lon="0" rev="0"/>
+            </a:camera>
+            <a:lightRig rig="threePt" dir="t">
+              <a:rot lat="0" lon="0" rev="1200000"/>
+            </a:lightRig>
+          </a:scene3d>
+          <a:sp3d>
+            <a:bevelT w="63500" h="25400"/>
+          </a:sp3d>
+        </a:effectStyle>
+      </a:effectStyleLst>
+      <a:bgFillStyleLst>
+        <a:solidFill>
+          <a:schemeClr val="phClr"/>
+        </a:solidFill>
+        <a:gradFill rotWithShape="1">
+          <a:gsLst>
+            <a:gs pos="0">
+              <a:schemeClr val="phClr">
+                <a:tint val="40000"/>
+                <a:satMod val="350000"/>
+              </a:schemeClr>
+            </a:gs>
+            <a:gs pos="40000">
+              <a:schemeClr val="phClr">
+                <a:tint val="45000"/>
+                <a:shade val="99000"/>
+                <a:satMod val="350000"/>
+              </a:schemeClr>
+            </a:gs>
+            <a:gs pos="100000">
+              <a:schemeClr val="phClr">
+                <a:shade val="20000"/>
+                <a:satMod val="255000"/>
+              </a:schemeClr>
+            </a:gs>
+          </a:gsLst>
+          <a:path path="circle">
+            <a:fillToRect l="50000" t="-80000" r="50000" b="180000"/>
+          </a:path>
+        </a:gradFill>
+        <a:gradFill rotWithShape="1">
+          <a:gsLst>
+            <a:gs pos="0">
+              <a:schemeClr val="phClr">
+                <a:tint val="80000"/>
+                <a:satMod val="300000"/>
+              </a:schemeClr>
+            </a:gs>
+            <a:gs pos="100000">
+              <a:schemeClr val="phClr">
+                <a:shade val="30000"/>
+                <a:satMod val="200000"/>
+              </a:schemeClr>
+            </a:gs>
+          </a:gsLst>
+          <a:path path="circle">
+            <a:fillToRect l="50000" t="50000" r="50000" b="50000"/>
+          </a:path>
+        </a:gradFill>
+      </a:bgFillStyleLst>
+    </a:fmtScheme>
+  </a:themeElements>
+</a:theme>
+</file>
+
+<file path=ppt/theme/theme2.xml><?xml version="1.0" encoding="utf-8"?>
 <a:theme xmlns:a="http://schemas.openxmlformats.org/drawingml/2006/main" xmlns:r="http://schemas.openxmlformats.org/officeDocument/2006/relationships" name="Focus">
   <a:themeElements>
     <a:clrScheme name="Focus">
@@ -11316,283 +12130,4 @@
     </a:fmtScheme>
   </a:themeElements>
 </a:theme>
-</file>
-
-<file path=ppt/theme/theme2.xml><?xml version="1.0" encoding="utf-8"?>
-<a:theme xmlns:a="http://schemas.openxmlformats.org/drawingml/2006/main" xmlns:r="http://schemas.openxmlformats.org/officeDocument/2006/relationships">
-  <a:themeElements>
-    <a:clrScheme name="Default">
-      <a:dk1>
-        <a:srgbClr val="000000"/>
-      </a:dk1>
-      <a:lt1>
-        <a:srgbClr val="FFFFFF"/>
-      </a:lt1>
-      <a:dk2>
-        <a:srgbClr val="158158"/>
-      </a:dk2>
-      <a:lt2>
-        <a:srgbClr val="F3F3F3"/>
-      </a:lt2>
-      <a:accent1>
-        <a:srgbClr val="058DC7"/>
-      </a:accent1>
-      <a:accent2>
-        <a:srgbClr val="50B432"/>
-      </a:accent2>
-      <a:accent3>
-        <a:srgbClr val="ED561B"/>
-      </a:accent3>
-      <a:accent4>
-        <a:srgbClr val="EDEF00"/>
-      </a:accent4>
-      <a:accent5>
-        <a:srgbClr val="24CBE5"/>
-      </a:accent5>
-      <a:accent6>
-        <a:srgbClr val="64E572"/>
-      </a:accent6>
-      <a:hlink>
-        <a:srgbClr val="2200CC"/>
-      </a:hlink>
-      <a:folHlink>
-        <a:srgbClr val="551A8B"/>
-      </a:folHlink>
-    </a:clrScheme>
-    <a:fontScheme name="Office">
-      <a:majorFont>
-        <a:latin typeface="Arial"/>
-        <a:ea typeface=""/>
-        <a:cs typeface=""/>
-        <a:font script="Jpan" typeface="ＭＳ Ｐゴシック"/>
-        <a:font script="Hang" typeface="맑은 고딕"/>
-        <a:font script="Hans" typeface="宋体"/>
-        <a:font script="Hant" typeface="新細明體"/>
-        <a:font script="Arab" typeface="Times New Roman"/>
-        <a:font script="Hebr" typeface="Times New Roman"/>
-        <a:font script="Thai" typeface="Angsana New"/>
-        <a:font script="Ethi" typeface="Nyala"/>
-        <a:font script="Beng" typeface="Vrinda"/>
-        <a:font script="Gujr" typeface="Shruti"/>
-        <a:font script="Khmr" typeface="MoolBoran"/>
-        <a:font script="Knda" typeface="Tunga"/>
-        <a:font script="Guru" typeface="Raavi"/>
-        <a:font script="Cans" typeface="Euphemia"/>
-        <a:font script="Cher" typeface="Plantagenet Cherokee"/>
-        <a:font script="Yiii" typeface="Microsoft Yi Baiti"/>
-        <a:font script="Tibt" typeface="Microsoft Himalaya"/>
-        <a:font script="Thaa" typeface="MV Boli"/>
-        <a:font script="Deva" typeface="Mangal"/>
-        <a:font script="Telu" typeface="Gautami"/>
-        <a:font script="Taml" typeface="Latha"/>
-        <a:font script="Syrc" typeface="Estrangelo Edessa"/>
-        <a:font script="Orya" typeface="Kalinga"/>
-        <a:font script="Mlym" typeface="Kartika"/>
-        <a:font script="Laoo" typeface="DokChampa"/>
-        <a:font script="Sinh" typeface="Iskoola Pota"/>
-        <a:font script="Mong" typeface="Mongolian Baiti"/>
-        <a:font script="Viet" typeface="Times New Roman"/>
-        <a:font script="Uigh" typeface="Microsoft Uighur"/>
-        <a:font script="Geor" typeface="Sylfaen"/>
-      </a:majorFont>
-      <a:minorFont>
-        <a:latin typeface="Arial"/>
-        <a:ea typeface=""/>
-        <a:cs typeface=""/>
-        <a:font script="Jpan" typeface="ＭＳ Ｐゴシック"/>
-        <a:font script="Hang" typeface="맑은 고딕"/>
-        <a:font script="Hans" typeface="宋体"/>
-        <a:font script="Hant" typeface="新細明體"/>
-        <a:font script="Arab" typeface="Arial"/>
-        <a:font script="Hebr" typeface="Arial"/>
-        <a:font script="Thai" typeface="Cordia New"/>
-        <a:font script="Ethi" typeface="Nyala"/>
-        <a:font script="Beng" typeface="Vrinda"/>
-        <a:font script="Gujr" typeface="Shruti"/>
-        <a:font script="Khmr" typeface="DaunPenh"/>
-        <a:font script="Knda" typeface="Tunga"/>
-        <a:font script="Guru" typeface="Raavi"/>
-        <a:font script="Cans" typeface="Euphemia"/>
-        <a:font script="Cher" typeface="Plantagenet Cherokee"/>
-        <a:font script="Yiii" typeface="Microsoft Yi Baiti"/>
-        <a:font script="Tibt" typeface="Microsoft Himalaya"/>
-        <a:font script="Thaa" typeface="MV Boli"/>
-        <a:font script="Deva" typeface="Mangal"/>
-        <a:font script="Telu" typeface="Gautami"/>
-        <a:font script="Taml" typeface="Latha"/>
-        <a:font script="Syrc" typeface="Estrangelo Edessa"/>
-        <a:font script="Orya" typeface="Kalinga"/>
-        <a:font script="Mlym" typeface="Kartika"/>
-        <a:font script="Laoo" typeface="DokChampa"/>
-        <a:font script="Sinh" typeface="Iskoola Pota"/>
-        <a:font script="Mong" typeface="Mongolian Baiti"/>
-        <a:font script="Viet" typeface="Arial"/>
-        <a:font script="Uigh" typeface="Microsoft Uighur"/>
-        <a:font script="Geor" typeface="Sylfaen"/>
-      </a:minorFont>
-    </a:fontScheme>
-    <a:fmtScheme name="Office">
-      <a:fillStyleLst>
-        <a:solidFill>
-          <a:schemeClr val="phClr"/>
-        </a:solidFill>
-        <a:gradFill rotWithShape="1">
-          <a:gsLst>
-            <a:gs pos="0">
-              <a:schemeClr val="phClr">
-                <a:tint val="50000"/>
-                <a:satMod val="300000"/>
-              </a:schemeClr>
-            </a:gs>
-            <a:gs pos="35000">
-              <a:schemeClr val="phClr">
-                <a:tint val="37000"/>
-                <a:satMod val="300000"/>
-              </a:schemeClr>
-            </a:gs>
-            <a:gs pos="100000">
-              <a:schemeClr val="phClr">
-                <a:tint val="15000"/>
-                <a:satMod val="350000"/>
-              </a:schemeClr>
-            </a:gs>
-          </a:gsLst>
-          <a:lin ang="16200000" scaled="1"/>
-        </a:gradFill>
-        <a:gradFill rotWithShape="1">
-          <a:gsLst>
-            <a:gs pos="0">
-              <a:schemeClr val="phClr">
-                <a:tint val="100000"/>
-                <a:shade val="100000"/>
-                <a:satMod val="130000"/>
-              </a:schemeClr>
-            </a:gs>
-            <a:gs pos="100000">
-              <a:schemeClr val="phClr">
-                <a:tint val="50000"/>
-                <a:shade val="100000"/>
-                <a:satMod val="350000"/>
-              </a:schemeClr>
-            </a:gs>
-          </a:gsLst>
-          <a:lin ang="16200000" scaled="0"/>
-        </a:gradFill>
-      </a:fillStyleLst>
-      <a:lnStyleLst>
-        <a:ln w="9525" cap="flat" cmpd="sng" algn="ctr">
-          <a:solidFill>
-            <a:schemeClr val="phClr">
-              <a:shade val="95000"/>
-              <a:satMod val="105000"/>
-            </a:schemeClr>
-          </a:solidFill>
-          <a:prstDash val="solid"/>
-        </a:ln>
-        <a:ln w="25400" cap="flat" cmpd="sng" algn="ctr">
-          <a:solidFill>
-            <a:schemeClr val="phClr"/>
-          </a:solidFill>
-          <a:prstDash val="solid"/>
-        </a:ln>
-        <a:ln w="38100" cap="flat" cmpd="sng" algn="ctr">
-          <a:solidFill>
-            <a:schemeClr val="phClr"/>
-          </a:solidFill>
-          <a:prstDash val="solid"/>
-        </a:ln>
-      </a:lnStyleLst>
-      <a:effectStyleLst>
-        <a:effectStyle>
-          <a:effectLst>
-            <a:outerShdw blurRad="40000" dist="20000" dir="5400000" rotWithShape="0">
-              <a:srgbClr val="000000">
-                <a:alpha val="38000"/>
-              </a:srgbClr>
-            </a:outerShdw>
-          </a:effectLst>
-        </a:effectStyle>
-        <a:effectStyle>
-          <a:effectLst>
-            <a:outerShdw blurRad="40000" dist="23000" dir="5400000" rotWithShape="0">
-              <a:srgbClr val="000000">
-                <a:alpha val="35000"/>
-              </a:srgbClr>
-            </a:outerShdw>
-          </a:effectLst>
-        </a:effectStyle>
-        <a:effectStyle>
-          <a:effectLst>
-            <a:outerShdw blurRad="40000" dist="23000" dir="5400000" rotWithShape="0">
-              <a:srgbClr val="000000">
-                <a:alpha val="35000"/>
-              </a:srgbClr>
-            </a:outerShdw>
-          </a:effectLst>
-          <a:scene3d>
-            <a:camera prst="orthographicFront">
-              <a:rot lat="0" lon="0" rev="0"/>
-            </a:camera>
-            <a:lightRig rig="threePt" dir="t">
-              <a:rot lat="0" lon="0" rev="1200000"/>
-            </a:lightRig>
-          </a:scene3d>
-          <a:sp3d>
-            <a:bevelT w="63500" h="25400"/>
-          </a:sp3d>
-        </a:effectStyle>
-      </a:effectStyleLst>
-      <a:bgFillStyleLst>
-        <a:solidFill>
-          <a:schemeClr val="phClr"/>
-        </a:solidFill>
-        <a:gradFill rotWithShape="1">
-          <a:gsLst>
-            <a:gs pos="0">
-              <a:schemeClr val="phClr">
-                <a:tint val="40000"/>
-                <a:satMod val="350000"/>
-              </a:schemeClr>
-            </a:gs>
-            <a:gs pos="40000">
-              <a:schemeClr val="phClr">
-                <a:tint val="45000"/>
-                <a:shade val="99000"/>
-                <a:satMod val="350000"/>
-              </a:schemeClr>
-            </a:gs>
-            <a:gs pos="100000">
-              <a:schemeClr val="phClr">
-                <a:shade val="20000"/>
-                <a:satMod val="255000"/>
-              </a:schemeClr>
-            </a:gs>
-          </a:gsLst>
-          <a:path path="circle">
-            <a:fillToRect l="50000" t="-80000" r="50000" b="180000"/>
-          </a:path>
-        </a:gradFill>
-        <a:gradFill rotWithShape="1">
-          <a:gsLst>
-            <a:gs pos="0">
-              <a:schemeClr val="phClr">
-                <a:tint val="80000"/>
-                <a:satMod val="300000"/>
-              </a:schemeClr>
-            </a:gs>
-            <a:gs pos="100000">
-              <a:schemeClr val="phClr">
-                <a:shade val="30000"/>
-                <a:satMod val="200000"/>
-              </a:schemeClr>
-            </a:gs>
-          </a:gsLst>
-          <a:path path="circle">
-            <a:fillToRect l="50000" t="50000" r="50000" b="50000"/>
-          </a:path>
-        </a:gradFill>
-      </a:bgFillStyleLst>
-    </a:fmtScheme>
-  </a:themeElements>
-</a:theme>
 </file>